--- a/Your OSPO Is Not Only Yours/Your OSPO is not only yours.pptx
+++ b/Your OSPO Is Not Only Yours/Your OSPO is not only yours.pptx
@@ -19776,8 +19776,8 @@
         </p:blipFill>
         <p:spPr>
           <a:xfrm>
-            <a:off x="3910600" y="3071900"/>
-            <a:ext cx="1612325" cy="1612325"/>
+            <a:off x="3646825" y="117600"/>
+            <a:ext cx="1889950" cy="1889950"/>
           </a:xfrm>
           <a:prstGeom prst="rect">
             <a:avLst/>
@@ -19804,8 +19804,8 @@
         </p:blipFill>
         <p:spPr>
           <a:xfrm>
-            <a:off x="3910600" y="266425"/>
-            <a:ext cx="1612325" cy="1612325"/>
+            <a:off x="3646825" y="2917400"/>
+            <a:ext cx="1889950" cy="1889950"/>
           </a:xfrm>
           <a:prstGeom prst="rect">
             <a:avLst/>
@@ -20790,6 +20790,285 @@
 </file>
 
 <file path=ppt/theme/theme1.xml><?xml version="1.0" encoding="utf-8"?>
+<a:theme xmlns:a="http://schemas.openxmlformats.org/drawingml/2006/main" xmlns:r="http://schemas.openxmlformats.org/officeDocument/2006/relationships">
+  <a:themeElements>
+    <a:clrScheme name="Default">
+      <a:dk1>
+        <a:srgbClr val="000000"/>
+      </a:dk1>
+      <a:lt1>
+        <a:srgbClr val="FFFFFF"/>
+      </a:lt1>
+      <a:dk2>
+        <a:srgbClr val="158158"/>
+      </a:dk2>
+      <a:lt2>
+        <a:srgbClr val="F3F3F3"/>
+      </a:lt2>
+      <a:accent1>
+        <a:srgbClr val="058DC7"/>
+      </a:accent1>
+      <a:accent2>
+        <a:srgbClr val="50B432"/>
+      </a:accent2>
+      <a:accent3>
+        <a:srgbClr val="ED561B"/>
+      </a:accent3>
+      <a:accent4>
+        <a:srgbClr val="EDEF00"/>
+      </a:accent4>
+      <a:accent5>
+        <a:srgbClr val="24CBE5"/>
+      </a:accent5>
+      <a:accent6>
+        <a:srgbClr val="64E572"/>
+      </a:accent6>
+      <a:hlink>
+        <a:srgbClr val="2200CC"/>
+      </a:hlink>
+      <a:folHlink>
+        <a:srgbClr val="551A8B"/>
+      </a:folHlink>
+    </a:clrScheme>
+    <a:fontScheme name="Office">
+      <a:majorFont>
+        <a:latin typeface="Arial"/>
+        <a:ea typeface=""/>
+        <a:cs typeface=""/>
+        <a:font script="Jpan" typeface="ＭＳ Ｐゴシック"/>
+        <a:font script="Hang" typeface="맑은 고딕"/>
+        <a:font script="Hans" typeface="宋体"/>
+        <a:font script="Hant" typeface="新細明體"/>
+        <a:font script="Arab" typeface="Times New Roman"/>
+        <a:font script="Hebr" typeface="Times New Roman"/>
+        <a:font script="Thai" typeface="Angsana New"/>
+        <a:font script="Ethi" typeface="Nyala"/>
+        <a:font script="Beng" typeface="Vrinda"/>
+        <a:font script="Gujr" typeface="Shruti"/>
+        <a:font script="Khmr" typeface="MoolBoran"/>
+        <a:font script="Knda" typeface="Tunga"/>
+        <a:font script="Guru" typeface="Raavi"/>
+        <a:font script="Cans" typeface="Euphemia"/>
+        <a:font script="Cher" typeface="Plantagenet Cherokee"/>
+        <a:font script="Yiii" typeface="Microsoft Yi Baiti"/>
+        <a:font script="Tibt" typeface="Microsoft Himalaya"/>
+        <a:font script="Thaa" typeface="MV Boli"/>
+        <a:font script="Deva" typeface="Mangal"/>
+        <a:font script="Telu" typeface="Gautami"/>
+        <a:font script="Taml" typeface="Latha"/>
+        <a:font script="Syrc" typeface="Estrangelo Edessa"/>
+        <a:font script="Orya" typeface="Kalinga"/>
+        <a:font script="Mlym" typeface="Kartika"/>
+        <a:font script="Laoo" typeface="DokChampa"/>
+        <a:font script="Sinh" typeface="Iskoola Pota"/>
+        <a:font script="Mong" typeface="Mongolian Baiti"/>
+        <a:font script="Viet" typeface="Times New Roman"/>
+        <a:font script="Uigh" typeface="Microsoft Uighur"/>
+        <a:font script="Geor" typeface="Sylfaen"/>
+      </a:majorFont>
+      <a:minorFont>
+        <a:latin typeface="Arial"/>
+        <a:ea typeface=""/>
+        <a:cs typeface=""/>
+        <a:font script="Jpan" typeface="ＭＳ Ｐゴシック"/>
+        <a:font script="Hang" typeface="맑은 고딕"/>
+        <a:font script="Hans" typeface="宋体"/>
+        <a:font script="Hant" typeface="新細明體"/>
+        <a:font script="Arab" typeface="Arial"/>
+        <a:font script="Hebr" typeface="Arial"/>
+        <a:font script="Thai" typeface="Cordia New"/>
+        <a:font script="Ethi" typeface="Nyala"/>
+        <a:font script="Beng" typeface="Vrinda"/>
+        <a:font script="Gujr" typeface="Shruti"/>
+        <a:font script="Khmr" typeface="DaunPenh"/>
+        <a:font script="Knda" typeface="Tunga"/>
+        <a:font script="Guru" typeface="Raavi"/>
+        <a:font script="Cans" typeface="Euphemia"/>
+        <a:font script="Cher" typeface="Plantagenet Cherokee"/>
+        <a:font script="Yiii" typeface="Microsoft Yi Baiti"/>
+        <a:font script="Tibt" typeface="Microsoft Himalaya"/>
+        <a:font script="Thaa" typeface="MV Boli"/>
+        <a:font script="Deva" typeface="Mangal"/>
+        <a:font script="Telu" typeface="Gautami"/>
+        <a:font script="Taml" typeface="Latha"/>
+        <a:font script="Syrc" typeface="Estrangelo Edessa"/>
+        <a:font script="Orya" typeface="Kalinga"/>
+        <a:font script="Mlym" typeface="Kartika"/>
+        <a:font script="Laoo" typeface="DokChampa"/>
+        <a:font script="Sinh" typeface="Iskoola Pota"/>
+        <a:font script="Mong" typeface="Mongolian Baiti"/>
+        <a:font script="Viet" typeface="Arial"/>
+        <a:font script="Uigh" typeface="Microsoft Uighur"/>
+        <a:font script="Geor" typeface="Sylfaen"/>
+      </a:minorFont>
+    </a:fontScheme>
+    <a:fmtScheme name="Office">
+      <a:fillStyleLst>
+        <a:solidFill>
+          <a:schemeClr val="phClr"/>
+        </a:solidFill>
+        <a:gradFill rotWithShape="1">
+          <a:gsLst>
+            <a:gs pos="0">
+              <a:schemeClr val="phClr">
+                <a:tint val="50000"/>
+                <a:satMod val="300000"/>
+              </a:schemeClr>
+            </a:gs>
+            <a:gs pos="35000">
+              <a:schemeClr val="phClr">
+                <a:tint val="37000"/>
+                <a:satMod val="300000"/>
+              </a:schemeClr>
+            </a:gs>
+            <a:gs pos="100000">
+              <a:schemeClr val="phClr">
+                <a:tint val="15000"/>
+                <a:satMod val="350000"/>
+              </a:schemeClr>
+            </a:gs>
+          </a:gsLst>
+          <a:lin ang="16200000" scaled="1"/>
+        </a:gradFill>
+        <a:gradFill rotWithShape="1">
+          <a:gsLst>
+            <a:gs pos="0">
+              <a:schemeClr val="phClr">
+                <a:tint val="100000"/>
+                <a:shade val="100000"/>
+                <a:satMod val="130000"/>
+              </a:schemeClr>
+            </a:gs>
+            <a:gs pos="100000">
+              <a:schemeClr val="phClr">
+                <a:tint val="50000"/>
+                <a:shade val="100000"/>
+                <a:satMod val="350000"/>
+              </a:schemeClr>
+            </a:gs>
+          </a:gsLst>
+          <a:lin ang="16200000" scaled="0"/>
+        </a:gradFill>
+      </a:fillStyleLst>
+      <a:lnStyleLst>
+        <a:ln w="9525" cap="flat" cmpd="sng" algn="ctr">
+          <a:solidFill>
+            <a:schemeClr val="phClr">
+              <a:shade val="95000"/>
+              <a:satMod val="105000"/>
+            </a:schemeClr>
+          </a:solidFill>
+          <a:prstDash val="solid"/>
+        </a:ln>
+        <a:ln w="25400" cap="flat" cmpd="sng" algn="ctr">
+          <a:solidFill>
+            <a:schemeClr val="phClr"/>
+          </a:solidFill>
+          <a:prstDash val="solid"/>
+        </a:ln>
+        <a:ln w="38100" cap="flat" cmpd="sng" algn="ctr">
+          <a:solidFill>
+            <a:schemeClr val="phClr"/>
+          </a:solidFill>
+          <a:prstDash val="solid"/>
+        </a:ln>
+      </a:lnStyleLst>
+      <a:effectStyleLst>
+        <a:effectStyle>
+          <a:effectLst>
+            <a:outerShdw blurRad="40000" dist="20000" dir="5400000" rotWithShape="0">
+              <a:srgbClr val="000000">
+                <a:alpha val="38000"/>
+              </a:srgbClr>
+            </a:outerShdw>
+          </a:effectLst>
+        </a:effectStyle>
+        <a:effectStyle>
+          <a:effectLst>
+            <a:outerShdw blurRad="40000" dist="23000" dir="5400000" rotWithShape="0">
+              <a:srgbClr val="000000">
+                <a:alpha val="35000"/>
+              </a:srgbClr>
+            </a:outerShdw>
+          </a:effectLst>
+        </a:effectStyle>
+        <a:effectStyle>
+          <a:effectLst>
+            <a:outerShdw blurRad="40000" dist="23000" dir="5400000" rotWithShape="0">
+              <a:srgbClr val="000000">
+                <a:alpha val="35000"/>
+              </a:srgbClr>
+            </a:outerShdw>
+          </a:effectLst>
+          <a:scene3d>
+            <a:camera prst="orthographicFront">
+              <a:rot lat="0" lon="0" rev="0"/>
+            </a:camera>
+            <a:lightRig rig="threePt" dir="t">
+              <a:rot lat="0" lon="0" rev="1200000"/>
+            </a:lightRig>
+          </a:scene3d>
+          <a:sp3d>
+            <a:bevelT w="63500" h="25400"/>
+          </a:sp3d>
+        </a:effectStyle>
+      </a:effectStyleLst>
+      <a:bgFillStyleLst>
+        <a:solidFill>
+          <a:schemeClr val="phClr"/>
+        </a:solidFill>
+        <a:gradFill rotWithShape="1">
+          <a:gsLst>
+            <a:gs pos="0">
+              <a:schemeClr val="phClr">
+                <a:tint val="40000"/>
+                <a:satMod val="350000"/>
+              </a:schemeClr>
+            </a:gs>
+            <a:gs pos="40000">
+              <a:schemeClr val="phClr">
+                <a:tint val="45000"/>
+                <a:shade val="99000"/>
+                <a:satMod val="350000"/>
+              </a:schemeClr>
+            </a:gs>
+            <a:gs pos="100000">
+              <a:schemeClr val="phClr">
+                <a:shade val="20000"/>
+                <a:satMod val="255000"/>
+              </a:schemeClr>
+            </a:gs>
+          </a:gsLst>
+          <a:path path="circle">
+            <a:fillToRect l="50000" t="-80000" r="50000" b="180000"/>
+          </a:path>
+        </a:gradFill>
+        <a:gradFill rotWithShape="1">
+          <a:gsLst>
+            <a:gs pos="0">
+              <a:schemeClr val="phClr">
+                <a:tint val="80000"/>
+                <a:satMod val="300000"/>
+              </a:schemeClr>
+            </a:gs>
+            <a:gs pos="100000">
+              <a:schemeClr val="phClr">
+                <a:shade val="30000"/>
+                <a:satMod val="200000"/>
+              </a:schemeClr>
+            </a:gs>
+          </a:gsLst>
+          <a:path path="circle">
+            <a:fillToRect l="50000" t="50000" r="50000" b="50000"/>
+          </a:path>
+        </a:gradFill>
+      </a:bgFillStyleLst>
+    </a:fmtScheme>
+  </a:themeElements>
+</a:theme>
+</file>
+
+<file path=ppt/theme/theme2.xml><?xml version="1.0" encoding="utf-8"?>
 <a:theme xmlns:a="http://schemas.openxmlformats.org/drawingml/2006/main" xmlns:r="http://schemas.openxmlformats.org/officeDocument/2006/relationships" name="Marina">
   <a:themeElements>
     <a:clrScheme name="Marina">
@@ -21066,283 +21345,4 @@
     </a:fmtScheme>
   </a:themeElements>
 </a:theme>
-</file>
-
-<file path=ppt/theme/theme2.xml><?xml version="1.0" encoding="utf-8"?>
-<a:theme xmlns:a="http://schemas.openxmlformats.org/drawingml/2006/main" xmlns:r="http://schemas.openxmlformats.org/officeDocument/2006/relationships">
-  <a:themeElements>
-    <a:clrScheme name="Default">
-      <a:dk1>
-        <a:srgbClr val="000000"/>
-      </a:dk1>
-      <a:lt1>
-        <a:srgbClr val="FFFFFF"/>
-      </a:lt1>
-      <a:dk2>
-        <a:srgbClr val="158158"/>
-      </a:dk2>
-      <a:lt2>
-        <a:srgbClr val="F3F3F3"/>
-      </a:lt2>
-      <a:accent1>
-        <a:srgbClr val="058DC7"/>
-      </a:accent1>
-      <a:accent2>
-        <a:srgbClr val="50B432"/>
-      </a:accent2>
-      <a:accent3>
-        <a:srgbClr val="ED561B"/>
-      </a:accent3>
-      <a:accent4>
-        <a:srgbClr val="EDEF00"/>
-      </a:accent4>
-      <a:accent5>
-        <a:srgbClr val="24CBE5"/>
-      </a:accent5>
-      <a:accent6>
-        <a:srgbClr val="64E572"/>
-      </a:accent6>
-      <a:hlink>
-        <a:srgbClr val="2200CC"/>
-      </a:hlink>
-      <a:folHlink>
-        <a:srgbClr val="551A8B"/>
-      </a:folHlink>
-    </a:clrScheme>
-    <a:fontScheme name="Office">
-      <a:majorFont>
-        <a:latin typeface="Arial"/>
-        <a:ea typeface=""/>
-        <a:cs typeface=""/>
-        <a:font script="Jpan" typeface="ＭＳ Ｐゴシック"/>
-        <a:font script="Hang" typeface="맑은 고딕"/>
-        <a:font script="Hans" typeface="宋体"/>
-        <a:font script="Hant" typeface="新細明體"/>
-        <a:font script="Arab" typeface="Times New Roman"/>
-        <a:font script="Hebr" typeface="Times New Roman"/>
-        <a:font script="Thai" typeface="Angsana New"/>
-        <a:font script="Ethi" typeface="Nyala"/>
-        <a:font script="Beng" typeface="Vrinda"/>
-        <a:font script="Gujr" typeface="Shruti"/>
-        <a:font script="Khmr" typeface="MoolBoran"/>
-        <a:font script="Knda" typeface="Tunga"/>
-        <a:font script="Guru" typeface="Raavi"/>
-        <a:font script="Cans" typeface="Euphemia"/>
-        <a:font script="Cher" typeface="Plantagenet Cherokee"/>
-        <a:font script="Yiii" typeface="Microsoft Yi Baiti"/>
-        <a:font script="Tibt" typeface="Microsoft Himalaya"/>
-        <a:font script="Thaa" typeface="MV Boli"/>
-        <a:font script="Deva" typeface="Mangal"/>
-        <a:font script="Telu" typeface="Gautami"/>
-        <a:font script="Taml" typeface="Latha"/>
-        <a:font script="Syrc" typeface="Estrangelo Edessa"/>
-        <a:font script="Orya" typeface="Kalinga"/>
-        <a:font script="Mlym" typeface="Kartika"/>
-        <a:font script="Laoo" typeface="DokChampa"/>
-        <a:font script="Sinh" typeface="Iskoola Pota"/>
-        <a:font script="Mong" typeface="Mongolian Baiti"/>
-        <a:font script="Viet" typeface="Times New Roman"/>
-        <a:font script="Uigh" typeface="Microsoft Uighur"/>
-        <a:font script="Geor" typeface="Sylfaen"/>
-      </a:majorFont>
-      <a:minorFont>
-        <a:latin typeface="Arial"/>
-        <a:ea typeface=""/>
-        <a:cs typeface=""/>
-        <a:font script="Jpan" typeface="ＭＳ Ｐゴシック"/>
-        <a:font script="Hang" typeface="맑은 고딕"/>
-        <a:font script="Hans" typeface="宋体"/>
-        <a:font script="Hant" typeface="新細明體"/>
-        <a:font script="Arab" typeface="Arial"/>
-        <a:font script="Hebr" typeface="Arial"/>
-        <a:font script="Thai" typeface="Cordia New"/>
-        <a:font script="Ethi" typeface="Nyala"/>
-        <a:font script="Beng" typeface="Vrinda"/>
-        <a:font script="Gujr" typeface="Shruti"/>
-        <a:font script="Khmr" typeface="DaunPenh"/>
-        <a:font script="Knda" typeface="Tunga"/>
-        <a:font script="Guru" typeface="Raavi"/>
-        <a:font script="Cans" typeface="Euphemia"/>
-        <a:font script="Cher" typeface="Plantagenet Cherokee"/>
-        <a:font script="Yiii" typeface="Microsoft Yi Baiti"/>
-        <a:font script="Tibt" typeface="Microsoft Himalaya"/>
-        <a:font script="Thaa" typeface="MV Boli"/>
-        <a:font script="Deva" typeface="Mangal"/>
-        <a:font script="Telu" typeface="Gautami"/>
-        <a:font script="Taml" typeface="Latha"/>
-        <a:font script="Syrc" typeface="Estrangelo Edessa"/>
-        <a:font script="Orya" typeface="Kalinga"/>
-        <a:font script="Mlym" typeface="Kartika"/>
-        <a:font script="Laoo" typeface="DokChampa"/>
-        <a:font script="Sinh" typeface="Iskoola Pota"/>
-        <a:font script="Mong" typeface="Mongolian Baiti"/>
-        <a:font script="Viet" typeface="Arial"/>
-        <a:font script="Uigh" typeface="Microsoft Uighur"/>
-        <a:font script="Geor" typeface="Sylfaen"/>
-      </a:minorFont>
-    </a:fontScheme>
-    <a:fmtScheme name="Office">
-      <a:fillStyleLst>
-        <a:solidFill>
-          <a:schemeClr val="phClr"/>
-        </a:solidFill>
-        <a:gradFill rotWithShape="1">
-          <a:gsLst>
-            <a:gs pos="0">
-              <a:schemeClr val="phClr">
-                <a:tint val="50000"/>
-                <a:satMod val="300000"/>
-              </a:schemeClr>
-            </a:gs>
-            <a:gs pos="35000">
-              <a:schemeClr val="phClr">
-                <a:tint val="37000"/>
-                <a:satMod val="300000"/>
-              </a:schemeClr>
-            </a:gs>
-            <a:gs pos="100000">
-              <a:schemeClr val="phClr">
-                <a:tint val="15000"/>
-                <a:satMod val="350000"/>
-              </a:schemeClr>
-            </a:gs>
-          </a:gsLst>
-          <a:lin ang="16200000" scaled="1"/>
-        </a:gradFill>
-        <a:gradFill rotWithShape="1">
-          <a:gsLst>
-            <a:gs pos="0">
-              <a:schemeClr val="phClr">
-                <a:tint val="100000"/>
-                <a:shade val="100000"/>
-                <a:satMod val="130000"/>
-              </a:schemeClr>
-            </a:gs>
-            <a:gs pos="100000">
-              <a:schemeClr val="phClr">
-                <a:tint val="50000"/>
-                <a:shade val="100000"/>
-                <a:satMod val="350000"/>
-              </a:schemeClr>
-            </a:gs>
-          </a:gsLst>
-          <a:lin ang="16200000" scaled="0"/>
-        </a:gradFill>
-      </a:fillStyleLst>
-      <a:lnStyleLst>
-        <a:ln w="9525" cap="flat" cmpd="sng" algn="ctr">
-          <a:solidFill>
-            <a:schemeClr val="phClr">
-              <a:shade val="95000"/>
-              <a:satMod val="105000"/>
-            </a:schemeClr>
-          </a:solidFill>
-          <a:prstDash val="solid"/>
-        </a:ln>
-        <a:ln w="25400" cap="flat" cmpd="sng" algn="ctr">
-          <a:solidFill>
-            <a:schemeClr val="phClr"/>
-          </a:solidFill>
-          <a:prstDash val="solid"/>
-        </a:ln>
-        <a:ln w="38100" cap="flat" cmpd="sng" algn="ctr">
-          <a:solidFill>
-            <a:schemeClr val="phClr"/>
-          </a:solidFill>
-          <a:prstDash val="solid"/>
-        </a:ln>
-      </a:lnStyleLst>
-      <a:effectStyleLst>
-        <a:effectStyle>
-          <a:effectLst>
-            <a:outerShdw blurRad="40000" dist="20000" dir="5400000" rotWithShape="0">
-              <a:srgbClr val="000000">
-                <a:alpha val="38000"/>
-              </a:srgbClr>
-            </a:outerShdw>
-          </a:effectLst>
-        </a:effectStyle>
-        <a:effectStyle>
-          <a:effectLst>
-            <a:outerShdw blurRad="40000" dist="23000" dir="5400000" rotWithShape="0">
-              <a:srgbClr val="000000">
-                <a:alpha val="35000"/>
-              </a:srgbClr>
-            </a:outerShdw>
-          </a:effectLst>
-        </a:effectStyle>
-        <a:effectStyle>
-          <a:effectLst>
-            <a:outerShdw blurRad="40000" dist="23000" dir="5400000" rotWithShape="0">
-              <a:srgbClr val="000000">
-                <a:alpha val="35000"/>
-              </a:srgbClr>
-            </a:outerShdw>
-          </a:effectLst>
-          <a:scene3d>
-            <a:camera prst="orthographicFront">
-              <a:rot lat="0" lon="0" rev="0"/>
-            </a:camera>
-            <a:lightRig rig="threePt" dir="t">
-              <a:rot lat="0" lon="0" rev="1200000"/>
-            </a:lightRig>
-          </a:scene3d>
-          <a:sp3d>
-            <a:bevelT w="63500" h="25400"/>
-          </a:sp3d>
-        </a:effectStyle>
-      </a:effectStyleLst>
-      <a:bgFillStyleLst>
-        <a:solidFill>
-          <a:schemeClr val="phClr"/>
-        </a:solidFill>
-        <a:gradFill rotWithShape="1">
-          <a:gsLst>
-            <a:gs pos="0">
-              <a:schemeClr val="phClr">
-                <a:tint val="40000"/>
-                <a:satMod val="350000"/>
-              </a:schemeClr>
-            </a:gs>
-            <a:gs pos="40000">
-              <a:schemeClr val="phClr">
-                <a:tint val="45000"/>
-                <a:shade val="99000"/>
-                <a:satMod val="350000"/>
-              </a:schemeClr>
-            </a:gs>
-            <a:gs pos="100000">
-              <a:schemeClr val="phClr">
-                <a:shade val="20000"/>
-                <a:satMod val="255000"/>
-              </a:schemeClr>
-            </a:gs>
-          </a:gsLst>
-          <a:path path="circle">
-            <a:fillToRect l="50000" t="-80000" r="50000" b="180000"/>
-          </a:path>
-        </a:gradFill>
-        <a:gradFill rotWithShape="1">
-          <a:gsLst>
-            <a:gs pos="0">
-              <a:schemeClr val="phClr">
-                <a:tint val="80000"/>
-                <a:satMod val="300000"/>
-              </a:schemeClr>
-            </a:gs>
-            <a:gs pos="100000">
-              <a:schemeClr val="phClr">
-                <a:shade val="30000"/>
-                <a:satMod val="200000"/>
-              </a:schemeClr>
-            </a:gs>
-          </a:gsLst>
-          <a:path path="circle">
-            <a:fillToRect l="50000" t="50000" r="50000" b="50000"/>
-          </a:path>
-        </a:gradFill>
-      </a:bgFillStyleLst>
-    </a:fmtScheme>
-  </a:themeElements>
-</a:theme>
 </file>
--- a/Your OSPO Is Not Only Yours/Your OSPO is not only yours.pptx
+++ b/Your OSPO Is Not Only Yours/Your OSPO is not only yours.pptx
@@ -3942,7 +3942,7 @@
   <p:cSld>
     <p:spTree>
       <p:nvGrpSpPr>
-        <p:cNvPr id="339" name="Shape 339"/>
+        <p:cNvPr id="338" name="Shape 338"/>
         <p:cNvGrpSpPr/>
         <p:nvPr/>
       </p:nvGrpSpPr>
@@ -3956,7 +3956,7 @@
       </p:grpSpPr>
       <p:sp>
         <p:nvSpPr>
-          <p:cNvPr id="340" name="Google Shape;340;g250c1335003_0_240:notes"/>
+          <p:cNvPr id="339" name="Google Shape;339;g250c1335003_0_240:notes"/>
           <p:cNvSpPr/>
           <p:nvPr>
             <p:ph idx="2" type="sldImg"/>
@@ -3991,7 +3991,7 @@
       </p:sp>
       <p:sp>
         <p:nvSpPr>
-          <p:cNvPr id="341" name="Google Shape;341;g250c1335003_0_240:notes"/>
+          <p:cNvPr id="340" name="Google Shape;340;g250c1335003_0_240:notes"/>
           <p:cNvSpPr txBox="1"/>
           <p:nvPr>
             <p:ph idx="1" type="body"/>
@@ -4140,7 +4140,7 @@
   <p:cSld>
     <p:spTree>
       <p:nvGrpSpPr>
-        <p:cNvPr id="349" name="Shape 349"/>
+        <p:cNvPr id="347" name="Shape 347"/>
         <p:cNvGrpSpPr/>
         <p:nvPr/>
       </p:nvGrpSpPr>
@@ -4154,7 +4154,7 @@
       </p:grpSpPr>
       <p:sp>
         <p:nvSpPr>
-          <p:cNvPr id="350" name="Google Shape;350;g250c1335003_0_224:notes"/>
+          <p:cNvPr id="348" name="Google Shape;348;g250c1335003_0_224:notes"/>
           <p:cNvSpPr/>
           <p:nvPr>
             <p:ph idx="2" type="sldImg"/>
@@ -4189,7 +4189,7 @@
       </p:sp>
       <p:sp>
         <p:nvSpPr>
-          <p:cNvPr id="351" name="Google Shape;351;g250c1335003_0_224:notes"/>
+          <p:cNvPr id="349" name="Google Shape;349;g250c1335003_0_224:notes"/>
           <p:cNvSpPr txBox="1"/>
           <p:nvPr>
             <p:ph idx="1" type="body"/>
@@ -4239,7 +4239,7 @@
   <p:cSld>
     <p:spTree>
       <p:nvGrpSpPr>
-        <p:cNvPr id="366" name="Shape 366"/>
+        <p:cNvPr id="364" name="Shape 364"/>
         <p:cNvGrpSpPr/>
         <p:nvPr/>
       </p:nvGrpSpPr>
@@ -4253,7 +4253,7 @@
       </p:grpSpPr>
       <p:sp>
         <p:nvSpPr>
-          <p:cNvPr id="367" name="Google Shape;367;g250c1335003_0_256:notes"/>
+          <p:cNvPr id="365" name="Google Shape;365;g250c1335003_0_256:notes"/>
           <p:cNvSpPr/>
           <p:nvPr>
             <p:ph idx="2" type="sldImg"/>
@@ -4288,7 +4288,7 @@
       </p:sp>
       <p:sp>
         <p:nvSpPr>
-          <p:cNvPr id="368" name="Google Shape;368;g250c1335003_0_256:notes"/>
+          <p:cNvPr id="366" name="Google Shape;366;g250c1335003_0_256:notes"/>
           <p:cNvSpPr txBox="1"/>
           <p:nvPr>
             <p:ph idx="1" type="body"/>
@@ -4338,7 +4338,7 @@
   <p:cSld>
     <p:spTree>
       <p:nvGrpSpPr>
-        <p:cNvPr id="371" name="Shape 371"/>
+        <p:cNvPr id="369" name="Shape 369"/>
         <p:cNvGrpSpPr/>
         <p:nvPr/>
       </p:nvGrpSpPr>
@@ -4352,7 +4352,7 @@
       </p:grpSpPr>
       <p:sp>
         <p:nvSpPr>
-          <p:cNvPr id="372" name="Google Shape;372;g250c1335003_0_260:notes"/>
+          <p:cNvPr id="370" name="Google Shape;370;g250c1335003_0_260:notes"/>
           <p:cNvSpPr/>
           <p:nvPr>
             <p:ph idx="2" type="sldImg"/>
@@ -4387,7 +4387,7 @@
       </p:sp>
       <p:sp>
         <p:nvSpPr>
-          <p:cNvPr id="373" name="Google Shape;373;g250c1335003_0_260:notes"/>
+          <p:cNvPr id="371" name="Google Shape;371;g250c1335003_0_260:notes"/>
           <p:cNvSpPr txBox="1"/>
           <p:nvPr>
             <p:ph idx="1" type="body"/>
@@ -4437,7 +4437,7 @@
   <p:cSld>
     <p:spTree>
       <p:nvGrpSpPr>
-        <p:cNvPr id="376" name="Shape 376"/>
+        <p:cNvPr id="374" name="Shape 374"/>
         <p:cNvGrpSpPr/>
         <p:nvPr/>
       </p:nvGrpSpPr>
@@ -4451,7 +4451,7 @@
       </p:grpSpPr>
       <p:sp>
         <p:nvSpPr>
-          <p:cNvPr id="377" name="Google Shape;377;g250c1335003_0_264:notes"/>
+          <p:cNvPr id="375" name="Google Shape;375;g250c1335003_0_264:notes"/>
           <p:cNvSpPr/>
           <p:nvPr>
             <p:ph idx="2" type="sldImg"/>
@@ -4486,7 +4486,7 @@
       </p:sp>
       <p:sp>
         <p:nvSpPr>
-          <p:cNvPr id="378" name="Google Shape;378;g250c1335003_0_264:notes"/>
+          <p:cNvPr id="376" name="Google Shape;376;g250c1335003_0_264:notes"/>
           <p:cNvSpPr txBox="1"/>
           <p:nvPr>
             <p:ph idx="1" type="body"/>
@@ -4540,7 +4540,7 @@
   <p:cSld>
     <p:spTree>
       <p:nvGrpSpPr>
-        <p:cNvPr id="383" name="Shape 383"/>
+        <p:cNvPr id="381" name="Shape 381"/>
         <p:cNvGrpSpPr/>
         <p:nvPr/>
       </p:nvGrpSpPr>
@@ -4554,7 +4554,7 @@
       </p:grpSpPr>
       <p:sp>
         <p:nvSpPr>
-          <p:cNvPr id="384" name="Google Shape;384;g250c1335003_0_272:notes"/>
+          <p:cNvPr id="382" name="Google Shape;382;g250c1335003_0_272:notes"/>
           <p:cNvSpPr/>
           <p:nvPr>
             <p:ph idx="2" type="sldImg"/>
@@ -4589,7 +4589,7 @@
       </p:sp>
       <p:sp>
         <p:nvSpPr>
-          <p:cNvPr id="385" name="Google Shape;385;g250c1335003_0_272:notes"/>
+          <p:cNvPr id="383" name="Google Shape;383;g250c1335003_0_272:notes"/>
           <p:cNvSpPr txBox="1"/>
           <p:nvPr>
             <p:ph idx="1" type="body"/>
@@ -4643,7 +4643,7 @@
   <p:cSld>
     <p:spTree>
       <p:nvGrpSpPr>
-        <p:cNvPr id="390" name="Shape 390"/>
+        <p:cNvPr id="388" name="Shape 388"/>
         <p:cNvGrpSpPr/>
         <p:nvPr/>
       </p:nvGrpSpPr>
@@ -4657,7 +4657,7 @@
       </p:grpSpPr>
       <p:sp>
         <p:nvSpPr>
-          <p:cNvPr id="391" name="Google Shape;391;g250c1335003_0_284:notes"/>
+          <p:cNvPr id="389" name="Google Shape;389;g250c1335003_0_284:notes"/>
           <p:cNvSpPr/>
           <p:nvPr>
             <p:ph idx="2" type="sldImg"/>
@@ -4692,7 +4692,7 @@
       </p:sp>
       <p:sp>
         <p:nvSpPr>
-          <p:cNvPr id="392" name="Google Shape;392;g250c1335003_0_284:notes"/>
+          <p:cNvPr id="390" name="Google Shape;390;g250c1335003_0_284:notes"/>
           <p:cNvSpPr txBox="1"/>
           <p:nvPr>
             <p:ph idx="1" type="body"/>
@@ -4746,7 +4746,7 @@
   <p:cSld>
     <p:spTree>
       <p:nvGrpSpPr>
-        <p:cNvPr id="397" name="Shape 397"/>
+        <p:cNvPr id="395" name="Shape 395"/>
         <p:cNvGrpSpPr/>
         <p:nvPr/>
       </p:nvGrpSpPr>
@@ -4760,7 +4760,7 @@
       </p:grpSpPr>
       <p:sp>
         <p:nvSpPr>
-          <p:cNvPr id="398" name="Google Shape;398;g214d32f8352_0_28:notes"/>
+          <p:cNvPr id="396" name="Google Shape;396;g214d32f8352_0_28:notes"/>
           <p:cNvSpPr/>
           <p:nvPr>
             <p:ph idx="2" type="sldImg"/>
@@ -4795,7 +4795,7 @@
       </p:sp>
       <p:sp>
         <p:nvSpPr>
-          <p:cNvPr id="399" name="Google Shape;399;g214d32f8352_0_28:notes"/>
+          <p:cNvPr id="397" name="Google Shape;397;g214d32f8352_0_28:notes"/>
           <p:cNvSpPr txBox="1"/>
           <p:nvPr>
             <p:ph idx="1" type="body"/>
@@ -17456,34 +17456,6 @@
           </a:p>
         </p:txBody>
       </p:sp>
-      <p:pic>
-        <p:nvPicPr>
-          <p:cNvPr id="338" name="Google Shape;338;p50"/>
-          <p:cNvPicPr preferRelativeResize="0"/>
-          <p:nvPr/>
-        </p:nvPicPr>
-        <p:blipFill>
-          <a:blip r:embed="rId5">
-            <a:alphaModFix/>
-          </a:blip>
-          <a:stretch>
-            <a:fillRect/>
-          </a:stretch>
-        </p:blipFill>
-        <p:spPr>
-          <a:xfrm>
-            <a:off x="152400" y="152400"/>
-            <a:ext cx="153225" cy="153225"/>
-          </a:xfrm>
-          <a:prstGeom prst="rect">
-            <a:avLst/>
-          </a:prstGeom>
-          <a:noFill/>
-          <a:ln>
-            <a:noFill/>
-          </a:ln>
-        </p:spPr>
-      </p:pic>
     </p:spTree>
   </p:cSld>
   <p:clrMapOvr>
@@ -17497,7 +17469,7 @@
   <p:cSld>
     <p:spTree>
       <p:nvGrpSpPr>
-        <p:cNvPr id="342" name="Shape 342"/>
+        <p:cNvPr id="341" name="Shape 341"/>
         <p:cNvGrpSpPr/>
         <p:nvPr/>
       </p:nvGrpSpPr>
@@ -17511,7 +17483,7 @@
       </p:grpSpPr>
       <p:sp>
         <p:nvSpPr>
-          <p:cNvPr id="343" name="Google Shape;343;p51"/>
+          <p:cNvPr id="342" name="Google Shape;342;p51"/>
           <p:cNvSpPr txBox="1"/>
           <p:nvPr>
             <p:ph type="title"/>
@@ -17556,7 +17528,7 @@
       </p:sp>
       <p:sp>
         <p:nvSpPr>
-          <p:cNvPr id="344" name="Google Shape;344;p51"/>
+          <p:cNvPr id="343" name="Google Shape;343;p51"/>
           <p:cNvSpPr/>
           <p:nvPr/>
         </p:nvSpPr>
@@ -17599,7 +17571,7 @@
       </p:sp>
       <p:pic>
         <p:nvPicPr>
-          <p:cNvPr id="345" name="Google Shape;345;p51"/>
+          <p:cNvPr id="344" name="Google Shape;344;p51"/>
           <p:cNvPicPr preferRelativeResize="0"/>
           <p:nvPr/>
         </p:nvPicPr>
@@ -17627,7 +17599,7 @@
       </p:pic>
       <p:pic>
         <p:nvPicPr>
-          <p:cNvPr id="346" name="Google Shape;346;p51"/>
+          <p:cNvPr id="345" name="Google Shape;345;p51"/>
           <p:cNvPicPr preferRelativeResize="0"/>
           <p:nvPr/>
         </p:nvPicPr>
@@ -17654,7 +17626,7 @@
       </p:pic>
       <p:sp>
         <p:nvSpPr>
-          <p:cNvPr id="347" name="Google Shape;347;p51"/>
+          <p:cNvPr id="346" name="Google Shape;346;p51"/>
           <p:cNvSpPr txBox="1"/>
           <p:nvPr/>
         </p:nvSpPr>
@@ -17840,34 +17812,6 @@
           </a:p>
         </p:txBody>
       </p:sp>
-      <p:pic>
-        <p:nvPicPr>
-          <p:cNvPr id="348" name="Google Shape;348;p51"/>
-          <p:cNvPicPr preferRelativeResize="0"/>
-          <p:nvPr/>
-        </p:nvPicPr>
-        <p:blipFill>
-          <a:blip r:embed="rId5">
-            <a:alphaModFix/>
-          </a:blip>
-          <a:stretch>
-            <a:fillRect/>
-          </a:stretch>
-        </p:blipFill>
-        <p:spPr>
-          <a:xfrm>
-            <a:off x="152400" y="152400"/>
-            <a:ext cx="153225" cy="153225"/>
-          </a:xfrm>
-          <a:prstGeom prst="rect">
-            <a:avLst/>
-          </a:prstGeom>
-          <a:noFill/>
-          <a:ln>
-            <a:noFill/>
-          </a:ln>
-        </p:spPr>
-      </p:pic>
     </p:spTree>
   </p:cSld>
   <p:clrMapOvr>
@@ -17950,7 +17894,7 @@
   <p:cSld>
     <p:spTree>
       <p:nvGrpSpPr>
-        <p:cNvPr id="352" name="Shape 352"/>
+        <p:cNvPr id="350" name="Shape 350"/>
         <p:cNvGrpSpPr/>
         <p:nvPr/>
       </p:nvGrpSpPr>
@@ -17964,7 +17908,7 @@
       </p:grpSpPr>
       <p:sp>
         <p:nvSpPr>
-          <p:cNvPr id="353" name="Google Shape;353;p52"/>
+          <p:cNvPr id="351" name="Google Shape;351;p52"/>
           <p:cNvSpPr txBox="1"/>
           <p:nvPr>
             <p:ph type="title"/>
@@ -18009,7 +17953,7 @@
       </p:sp>
       <p:sp>
         <p:nvSpPr>
-          <p:cNvPr id="354" name="Google Shape;354;p52"/>
+          <p:cNvPr id="352" name="Google Shape;352;p52"/>
           <p:cNvSpPr/>
           <p:nvPr/>
         </p:nvSpPr>
@@ -18052,7 +17996,7 @@
       </p:sp>
       <p:pic>
         <p:nvPicPr>
-          <p:cNvPr id="355" name="Google Shape;355;p52"/>
+          <p:cNvPr id="353" name="Google Shape;353;p52"/>
           <p:cNvPicPr preferRelativeResize="0"/>
           <p:nvPr/>
         </p:nvPicPr>
@@ -18080,7 +18024,7 @@
       </p:pic>
       <p:pic>
         <p:nvPicPr>
-          <p:cNvPr id="356" name="Google Shape;356;p52"/>
+          <p:cNvPr id="354" name="Google Shape;354;p52"/>
           <p:cNvPicPr preferRelativeResize="0"/>
           <p:nvPr/>
         </p:nvPicPr>
@@ -18107,7 +18051,7 @@
       </p:pic>
       <p:sp>
         <p:nvSpPr>
-          <p:cNvPr id="357" name="Google Shape;357;p52"/>
+          <p:cNvPr id="355" name="Google Shape;355;p52"/>
           <p:cNvSpPr txBox="1"/>
           <p:nvPr/>
         </p:nvSpPr>
@@ -18366,7 +18310,7 @@
       </p:sp>
       <p:pic>
         <p:nvPicPr>
-          <p:cNvPr descr="Apache Flink Logo" id="358" name="Google Shape;358;p52"/>
+          <p:cNvPr descr="Apache Flink Logo" id="356" name="Google Shape;356;p52"/>
           <p:cNvPicPr preferRelativeResize="0"/>
           <p:nvPr/>
         </p:nvPicPr>
@@ -18394,7 +18338,7 @@
       </p:pic>
       <p:pic>
         <p:nvPicPr>
-          <p:cNvPr descr="PostgreSQL Logo" id="359" name="Google Shape;359;p52"/>
+          <p:cNvPr descr="PostgreSQL Logo" id="357" name="Google Shape;357;p52"/>
           <p:cNvPicPr preferRelativeResize="0"/>
           <p:nvPr/>
         </p:nvPicPr>
@@ -18422,7 +18366,7 @@
       </p:pic>
       <p:pic>
         <p:nvPicPr>
-          <p:cNvPr descr="OpenSearch Logo" id="360" name="Google Shape;360;p52"/>
+          <p:cNvPr descr="OpenSearch Logo" id="358" name="Google Shape;358;p52"/>
           <p:cNvPicPr preferRelativeResize="0"/>
           <p:nvPr/>
         </p:nvPicPr>
@@ -18450,7 +18394,7 @@
       </p:pic>
       <p:pic>
         <p:nvPicPr>
-          <p:cNvPr id="361" name="Google Shape;361;p52"/>
+          <p:cNvPr id="359" name="Google Shape;359;p52"/>
           <p:cNvPicPr preferRelativeResize="0"/>
           <p:nvPr/>
         </p:nvPicPr>
@@ -18478,7 +18422,7 @@
       </p:pic>
       <p:pic>
         <p:nvPicPr>
-          <p:cNvPr id="362" name="Google Shape;362;p52"/>
+          <p:cNvPr id="360" name="Google Shape;360;p52"/>
           <p:cNvPicPr preferRelativeResize="0"/>
           <p:nvPr/>
         </p:nvPicPr>
@@ -18505,7 +18449,7 @@
       </p:pic>
       <p:pic>
         <p:nvPicPr>
-          <p:cNvPr id="363" name="Google Shape;363;p52"/>
+          <p:cNvPr id="361" name="Google Shape;361;p52"/>
           <p:cNvPicPr preferRelativeResize="0"/>
           <p:nvPr/>
         </p:nvPicPr>
@@ -18532,7 +18476,7 @@
       </p:pic>
       <p:pic>
         <p:nvPicPr>
-          <p:cNvPr id="364" name="Google Shape;364;p52"/>
+          <p:cNvPr id="362" name="Google Shape;362;p52"/>
           <p:cNvPicPr preferRelativeResize="0"/>
           <p:nvPr/>
         </p:nvPicPr>
@@ -18560,7 +18504,7 @@
       </p:pic>
       <p:pic>
         <p:nvPicPr>
-          <p:cNvPr id="365" name="Google Shape;365;p52"/>
+          <p:cNvPr id="363" name="Google Shape;363;p52"/>
           <p:cNvPicPr preferRelativeResize="0"/>
           <p:nvPr/>
         </p:nvPicPr>
@@ -18599,7 +18543,7 @@
   <p:cSld>
     <p:spTree>
       <p:nvGrpSpPr>
-        <p:cNvPr id="369" name="Shape 369"/>
+        <p:cNvPr id="367" name="Shape 367"/>
         <p:cNvGrpSpPr/>
         <p:nvPr/>
       </p:nvGrpSpPr>
@@ -18613,7 +18557,7 @@
       </p:grpSpPr>
       <p:sp>
         <p:nvSpPr>
-          <p:cNvPr id="370" name="Google Shape;370;p53"/>
+          <p:cNvPr id="368" name="Google Shape;368;p53"/>
           <p:cNvSpPr txBox="1"/>
           <p:nvPr>
             <p:ph type="title"/>
@@ -18664,7 +18608,7 @@
   <p:cSld>
     <p:spTree>
       <p:nvGrpSpPr>
-        <p:cNvPr id="374" name="Shape 374"/>
+        <p:cNvPr id="372" name="Shape 372"/>
         <p:cNvGrpSpPr/>
         <p:nvPr/>
       </p:nvGrpSpPr>
@@ -18678,7 +18622,7 @@
       </p:grpSpPr>
       <p:sp>
         <p:nvSpPr>
-          <p:cNvPr id="375" name="Google Shape;375;p54"/>
+          <p:cNvPr id="373" name="Google Shape;373;p54"/>
           <p:cNvSpPr txBox="1"/>
           <p:nvPr>
             <p:ph type="title"/>
@@ -18745,7 +18689,7 @@
   <p:cSld>
     <p:spTree>
       <p:nvGrpSpPr>
-        <p:cNvPr id="379" name="Shape 379"/>
+        <p:cNvPr id="377" name="Shape 377"/>
         <p:cNvGrpSpPr/>
         <p:nvPr/>
       </p:nvGrpSpPr>
@@ -18759,7 +18703,7 @@
       </p:grpSpPr>
       <p:sp>
         <p:nvSpPr>
-          <p:cNvPr id="380" name="Google Shape;380;p55"/>
+          <p:cNvPr id="378" name="Google Shape;378;p55"/>
           <p:cNvSpPr txBox="1"/>
           <p:nvPr>
             <p:ph type="title"/>
@@ -18799,7 +18743,7 @@
       </p:sp>
       <p:sp>
         <p:nvSpPr>
-          <p:cNvPr id="381" name="Google Shape;381;p55"/>
+          <p:cNvPr id="379" name="Google Shape;379;p55"/>
           <p:cNvSpPr txBox="1"/>
           <p:nvPr/>
         </p:nvSpPr>
@@ -18973,7 +18917,7 @@
       </p:sp>
       <p:sp>
         <p:nvSpPr>
-          <p:cNvPr id="382" name="Google Shape;382;p55"/>
+          <p:cNvPr id="380" name="Google Shape;380;p55"/>
           <p:cNvSpPr/>
           <p:nvPr/>
         </p:nvSpPr>
@@ -19027,7 +18971,7 @@
   <p:cSld>
     <p:spTree>
       <p:nvGrpSpPr>
-        <p:cNvPr id="386" name="Shape 386"/>
+        <p:cNvPr id="384" name="Shape 384"/>
         <p:cNvGrpSpPr/>
         <p:nvPr/>
       </p:nvGrpSpPr>
@@ -19041,7 +18985,7 @@
       </p:grpSpPr>
       <p:sp>
         <p:nvSpPr>
-          <p:cNvPr id="387" name="Google Shape;387;p56"/>
+          <p:cNvPr id="385" name="Google Shape;385;p56"/>
           <p:cNvSpPr txBox="1"/>
           <p:nvPr>
             <p:ph type="title"/>
@@ -19081,7 +19025,7 @@
       </p:sp>
       <p:sp>
         <p:nvSpPr>
-          <p:cNvPr id="388" name="Google Shape;388;p56"/>
+          <p:cNvPr id="386" name="Google Shape;386;p56"/>
           <p:cNvSpPr txBox="1"/>
           <p:nvPr/>
         </p:nvSpPr>
@@ -19285,7 +19229,7 @@
       </p:sp>
       <p:sp>
         <p:nvSpPr>
-          <p:cNvPr id="389" name="Google Shape;389;p56"/>
+          <p:cNvPr id="387" name="Google Shape;387;p56"/>
           <p:cNvSpPr/>
           <p:nvPr/>
         </p:nvSpPr>
@@ -19339,7 +19283,7 @@
   <p:cSld>
     <p:spTree>
       <p:nvGrpSpPr>
-        <p:cNvPr id="393" name="Shape 393"/>
+        <p:cNvPr id="391" name="Shape 391"/>
         <p:cNvGrpSpPr/>
         <p:nvPr/>
       </p:nvGrpSpPr>
@@ -19353,7 +19297,7 @@
       </p:grpSpPr>
       <p:sp>
         <p:nvSpPr>
-          <p:cNvPr id="394" name="Google Shape;394;p57"/>
+          <p:cNvPr id="392" name="Google Shape;392;p57"/>
           <p:cNvSpPr txBox="1"/>
           <p:nvPr>
             <p:ph type="title"/>
@@ -19393,14 +19337,14 @@
       </p:sp>
       <p:sp>
         <p:nvSpPr>
-          <p:cNvPr id="395" name="Google Shape;395;p57"/>
+          <p:cNvPr id="393" name="Google Shape;393;p57"/>
           <p:cNvSpPr txBox="1"/>
           <p:nvPr/>
         </p:nvSpPr>
         <p:spPr>
           <a:xfrm>
             <a:off x="387900" y="1846400"/>
-            <a:ext cx="8338500" cy="2919900"/>
+            <a:ext cx="8338500" cy="3380100"/>
           </a:xfrm>
           <a:prstGeom prst="rect">
             <a:avLst/>
@@ -19486,7 +19430,7 @@
                 <a:cs typeface="Roboto"/>
                 <a:sym typeface="Roboto"/>
               </a:rPr>
-              <a:t>You find the vulnerability, you kill the vulnerability!</a:t>
+              <a:t>You find the vulnerability, you eliminate the vulnerability!</a:t>
             </a:r>
             <a:endParaRPr sz="2600">
               <a:solidFill>
@@ -19611,7 +19555,7 @@
       </p:sp>
       <p:sp>
         <p:nvSpPr>
-          <p:cNvPr id="396" name="Google Shape;396;p57"/>
+          <p:cNvPr id="394" name="Google Shape;394;p57"/>
           <p:cNvSpPr/>
           <p:nvPr/>
         </p:nvSpPr>
@@ -19665,7 +19609,7 @@
   <p:cSld>
     <p:spTree>
       <p:nvGrpSpPr>
-        <p:cNvPr id="400" name="Shape 400"/>
+        <p:cNvPr id="398" name="Shape 398"/>
         <p:cNvGrpSpPr/>
         <p:nvPr/>
       </p:nvGrpSpPr>
@@ -19679,7 +19623,7 @@
       </p:grpSpPr>
       <p:sp>
         <p:nvSpPr>
-          <p:cNvPr id="401" name="Google Shape;401;p58"/>
+          <p:cNvPr id="399" name="Google Shape;399;p58"/>
           <p:cNvSpPr txBox="1"/>
           <p:nvPr>
             <p:ph type="title"/>
@@ -19719,7 +19663,7 @@
       </p:sp>
       <p:sp>
         <p:nvSpPr>
-          <p:cNvPr id="402" name="Google Shape;402;p58"/>
+          <p:cNvPr id="400" name="Google Shape;400;p58"/>
           <p:cNvSpPr/>
           <p:nvPr/>
         </p:nvSpPr>
@@ -19762,7 +19706,7 @@
       </p:sp>
       <p:pic>
         <p:nvPicPr>
-          <p:cNvPr id="403" name="Google Shape;403;p58"/>
+          <p:cNvPr id="401" name="Google Shape;401;p58"/>
           <p:cNvPicPr preferRelativeResize="0"/>
           <p:nvPr/>
         </p:nvPicPr>
@@ -19790,7 +19734,7 @@
       </p:pic>
       <p:pic>
         <p:nvPicPr>
-          <p:cNvPr id="404" name="Google Shape;404;p58"/>
+          <p:cNvPr id="402" name="Google Shape;402;p58"/>
           <p:cNvPicPr preferRelativeResize="0"/>
           <p:nvPr/>
         </p:nvPicPr>
